--- a/final/Fintech_final.pptx
+++ b/final/Fintech_final.pptx
@@ -47,11 +47,15 @@
       <p:bold r:id="rId24"/>
     </p:embeddedFont>
     <p:embeddedFont>
+      <p:font typeface="SimSun" panose="02010600030101010101" pitchFamily="2" charset="-122"/>
+      <p:regular r:id="rId25"/>
+    </p:embeddedFont>
+    <p:embeddedFont>
       <p:font typeface="Tw Cen MT" panose="020B0602020104020603" pitchFamily="34" charset="0"/>
-      <p:regular r:id="rId25"/>
-      <p:bold r:id="rId26"/>
-      <p:italic r:id="rId27"/>
-      <p:boldItalic r:id="rId28"/>
+      <p:regular r:id="rId26"/>
+      <p:bold r:id="rId27"/>
+      <p:italic r:id="rId28"/>
+      <p:boldItalic r:id="rId29"/>
     </p:embeddedFont>
     <p:embeddedFont>
       <p:font typeface="微軟正黑體" panose="020B0604030504040204" pitchFamily="34" charset="-120"/>
@@ -1046,7 +1050,7 @@
               </a:spcAft>
               <a:buNone/>
             </a:pPr>
-            <a:endParaRPr/>
+            <a:endParaRPr dirty="0"/>
           </a:p>
         </p:txBody>
       </p:sp>
@@ -23900,6 +23904,13 @@
   <p:clrMapOvr>
     <a:masterClrMapping/>
   </p:clrMapOvr>
+  <p:timing>
+    <p:tnLst>
+      <p:par>
+        <p:cTn id="1" dur="indefinite" restart="never" nodeType="tmRoot"/>
+      </p:par>
+    </p:tnLst>
+  </p:timing>
 </p:sld>
 </file>
 
@@ -24129,6 +24140,13 @@
   <p:clrMapOvr>
     <a:masterClrMapping/>
   </p:clrMapOvr>
+  <p:timing>
+    <p:tnLst>
+      <p:par>
+        <p:cTn id="1" dur="indefinite" restart="never" nodeType="tmRoot"/>
+      </p:par>
+    </p:tnLst>
+  </p:timing>
 </p:sld>
 </file>
 
@@ -24208,8 +24226,8 @@
         </p:nvSpPr>
         <p:spPr>
           <a:xfrm>
-            <a:off x="341471" y="1913766"/>
-            <a:ext cx="3999900" cy="3416400"/>
+            <a:off x="247904" y="3444949"/>
+            <a:ext cx="3999900" cy="1566240"/>
           </a:xfrm>
           <a:prstGeom prst="rect">
             <a:avLst/>
@@ -24221,6 +24239,16 @@
           </a:bodyPr>
           <a:lstStyle/>
           <a:p>
+            <a:pPr lvl="0" indent="-342900" algn="ctr">
+              <a:buSzPts val="1800"/>
+            </a:pPr>
+            <a:r>
+              <a:rPr lang="zh-TW" altLang="zh-TW" sz="2000" b="1" dirty="0"/>
+              <a:t>新用戶</a:t>
+            </a:r>
+            <a:endParaRPr lang="en-US" altLang="zh-TW" sz="2000" b="1" dirty="0"/>
+          </a:p>
+          <a:p>
             <a:pPr marL="457200" lvl="0" indent="-342900" algn="l" rtl="0">
               <a:spcBef>
                 <a:spcPts val="0"/>
@@ -24232,8 +24260,12 @@
               <a:buChar char="●"/>
             </a:pPr>
             <a:r>
+              <a:rPr lang="zh-TW" sz="1800" dirty="0" smtClean="0"/>
+              <a:t>我們</a:t>
+            </a:r>
+            <a:r>
               <a:rPr lang="zh-TW" sz="1800" dirty="0"/>
-              <a:t>對於新用戶，我們提出一個具有鑑別力的問題，並找出與使用者回答最相似的人都選擇了哪些基金推薦得新用戶。</a:t>
+              <a:t>提出一個具有鑑別力的問題，並找出與使用者回答最相似的人都選擇了哪些基金推薦得新用戶。</a:t>
             </a:r>
             <a:endParaRPr sz="1800" dirty="0"/>
           </a:p>
@@ -24263,8 +24295,8 @@
         </p:nvSpPr>
         <p:spPr>
           <a:xfrm>
-            <a:off x="4849412" y="1913766"/>
-            <a:ext cx="3999900" cy="3416400"/>
+            <a:off x="4755845" y="3444949"/>
+            <a:ext cx="3999900" cy="1566239"/>
           </a:xfrm>
           <a:prstGeom prst="rect">
             <a:avLst/>
@@ -24276,6 +24308,16 @@
           </a:bodyPr>
           <a:lstStyle/>
           <a:p>
+            <a:pPr lvl="0" indent="-342900" algn="ctr">
+              <a:buSzPts val="1800"/>
+            </a:pPr>
+            <a:r>
+              <a:rPr lang="zh-TW" altLang="zh-TW" sz="2000" b="1" dirty="0"/>
+              <a:t>舊用戶</a:t>
+            </a:r>
+            <a:endParaRPr lang="en-US" altLang="zh-TW" sz="2000" b="1" dirty="0" smtClean="0"/>
+          </a:p>
+          <a:p>
             <a:pPr marL="457200" lvl="0" indent="-342900" algn="l" rtl="0">
               <a:spcBef>
                 <a:spcPts val="0"/>
@@ -24287,8 +24329,12 @@
               <a:buChar char="●"/>
             </a:pPr>
             <a:r>
+              <a:rPr lang="zh-TW" sz="1800" dirty="0" smtClean="0"/>
+              <a:t>我們</a:t>
+            </a:r>
+            <a:r>
               <a:rPr lang="zh-TW" sz="1800" dirty="0"/>
-              <a:t>對於舊用戶，我們利用 LightFM 建構基於 user-item interaction 的用戶特徵，推薦他還有可能有興趣的商品。</a:t>
+              <a:t>利用 LightFM 建構基於 user-item interaction 的用戶特徵，推薦他還有可能有興趣的商品。</a:t>
             </a:r>
             <a:endParaRPr sz="1800" dirty="0"/>
           </a:p>
@@ -24332,11 +24378,484 @@
           </a:p>
         </p:txBody>
       </p:sp>
+      <p:grpSp>
+        <p:nvGrpSpPr>
+          <p:cNvPr id="6" name="群組 5"/>
+          <p:cNvGrpSpPr/>
+          <p:nvPr/>
+        </p:nvGrpSpPr>
+        <p:grpSpPr>
+          <a:xfrm>
+            <a:off x="1377398" y="1288666"/>
+            <a:ext cx="1740912" cy="1759555"/>
+            <a:chOff x="2052638" y="1816100"/>
+            <a:chExt cx="2784475" cy="2784475"/>
+          </a:xfrm>
+        </p:grpSpPr>
+        <p:sp>
+          <p:nvSpPr>
+            <p:cNvPr id="7" name="椭圆 127"/>
+            <p:cNvSpPr>
+              <a:spLocks noChangeArrowheads="1"/>
+            </p:cNvSpPr>
+            <p:nvPr/>
+          </p:nvSpPr>
+          <p:spPr bwMode="auto">
+            <a:xfrm>
+              <a:off x="2052638" y="1816100"/>
+              <a:ext cx="2784475" cy="2784475"/>
+            </a:xfrm>
+            <a:prstGeom prst="ellipse">
+              <a:avLst/>
+            </a:prstGeom>
+            <a:solidFill>
+              <a:srgbClr val="526E83"/>
+            </a:solidFill>
+            <a:ln w="9525">
+              <a:solidFill>
+                <a:srgbClr val="A1BD70"/>
+              </a:solidFill>
+              <a:round/>
+              <a:headEnd/>
+              <a:tailEnd/>
+            </a:ln>
+          </p:spPr>
+          <p:txBody>
+            <a:bodyPr anchor="ctr"/>
+            <a:lstStyle>
+              <a:lvl1pPr>
+                <a:defRPr>
+                  <a:solidFill>
+                    <a:schemeClr val="tx1"/>
+                  </a:solidFill>
+                  <a:latin typeface="Arial" panose="020B0604020202020204" pitchFamily="34" charset="0"/>
+                  <a:ea typeface="SimSun" panose="02010600030101010101" pitchFamily="2" charset="-122"/>
+                </a:defRPr>
+              </a:lvl1pPr>
+              <a:lvl2pPr marL="742950" indent="-285750">
+                <a:defRPr>
+                  <a:solidFill>
+                    <a:schemeClr val="tx1"/>
+                  </a:solidFill>
+                  <a:latin typeface="Arial" panose="020B0604020202020204" pitchFamily="34" charset="0"/>
+                  <a:ea typeface="SimSun" panose="02010600030101010101" pitchFamily="2" charset="-122"/>
+                </a:defRPr>
+              </a:lvl2pPr>
+              <a:lvl3pPr marL="1143000" indent="-228600">
+                <a:defRPr>
+                  <a:solidFill>
+                    <a:schemeClr val="tx1"/>
+                  </a:solidFill>
+                  <a:latin typeface="Arial" panose="020B0604020202020204" pitchFamily="34" charset="0"/>
+                  <a:ea typeface="SimSun" panose="02010600030101010101" pitchFamily="2" charset="-122"/>
+                </a:defRPr>
+              </a:lvl3pPr>
+              <a:lvl4pPr marL="1600200" indent="-228600">
+                <a:defRPr>
+                  <a:solidFill>
+                    <a:schemeClr val="tx1"/>
+                  </a:solidFill>
+                  <a:latin typeface="Arial" panose="020B0604020202020204" pitchFamily="34" charset="0"/>
+                  <a:ea typeface="SimSun" panose="02010600030101010101" pitchFamily="2" charset="-122"/>
+                </a:defRPr>
+              </a:lvl4pPr>
+              <a:lvl5pPr marL="2057400" indent="-228600">
+                <a:defRPr>
+                  <a:solidFill>
+                    <a:schemeClr val="tx1"/>
+                  </a:solidFill>
+                  <a:latin typeface="Arial" panose="020B0604020202020204" pitchFamily="34" charset="0"/>
+                  <a:ea typeface="SimSun" panose="02010600030101010101" pitchFamily="2" charset="-122"/>
+                </a:defRPr>
+              </a:lvl5pPr>
+              <a:lvl6pPr marL="2514600" indent="-228600" eaLnBrk="0" fontAlgn="base" hangingPunct="0">
+                <a:spcBef>
+                  <a:spcPct val="0"/>
+                </a:spcBef>
+                <a:spcAft>
+                  <a:spcPct val="0"/>
+                </a:spcAft>
+                <a:defRPr>
+                  <a:solidFill>
+                    <a:schemeClr val="tx1"/>
+                  </a:solidFill>
+                  <a:latin typeface="Arial" panose="020B0604020202020204" pitchFamily="34" charset="0"/>
+                  <a:ea typeface="SimSun" panose="02010600030101010101" pitchFamily="2" charset="-122"/>
+                </a:defRPr>
+              </a:lvl6pPr>
+              <a:lvl7pPr marL="2971800" indent="-228600" eaLnBrk="0" fontAlgn="base" hangingPunct="0">
+                <a:spcBef>
+                  <a:spcPct val="0"/>
+                </a:spcBef>
+                <a:spcAft>
+                  <a:spcPct val="0"/>
+                </a:spcAft>
+                <a:defRPr>
+                  <a:solidFill>
+                    <a:schemeClr val="tx1"/>
+                  </a:solidFill>
+                  <a:latin typeface="Arial" panose="020B0604020202020204" pitchFamily="34" charset="0"/>
+                  <a:ea typeface="SimSun" panose="02010600030101010101" pitchFamily="2" charset="-122"/>
+                </a:defRPr>
+              </a:lvl7pPr>
+              <a:lvl8pPr marL="3429000" indent="-228600" eaLnBrk="0" fontAlgn="base" hangingPunct="0">
+                <a:spcBef>
+                  <a:spcPct val="0"/>
+                </a:spcBef>
+                <a:spcAft>
+                  <a:spcPct val="0"/>
+                </a:spcAft>
+                <a:defRPr>
+                  <a:solidFill>
+                    <a:schemeClr val="tx1"/>
+                  </a:solidFill>
+                  <a:latin typeface="Arial" panose="020B0604020202020204" pitchFamily="34" charset="0"/>
+                  <a:ea typeface="SimSun" panose="02010600030101010101" pitchFamily="2" charset="-122"/>
+                </a:defRPr>
+              </a:lvl8pPr>
+              <a:lvl9pPr marL="3886200" indent="-228600" eaLnBrk="0" fontAlgn="base" hangingPunct="0">
+                <a:spcBef>
+                  <a:spcPct val="0"/>
+                </a:spcBef>
+                <a:spcAft>
+                  <a:spcPct val="0"/>
+                </a:spcAft>
+                <a:defRPr>
+                  <a:solidFill>
+                    <a:schemeClr val="tx1"/>
+                  </a:solidFill>
+                  <a:latin typeface="Arial" panose="020B0604020202020204" pitchFamily="34" charset="0"/>
+                  <a:ea typeface="SimSun" panose="02010600030101010101" pitchFamily="2" charset="-122"/>
+                </a:defRPr>
+              </a:lvl9pPr>
+            </a:lstStyle>
+            <a:p>
+              <a:pPr algn="ctr"/>
+              <a:endParaRPr lang="zh-CN" altLang="zh-CN">
+                <a:solidFill>
+                  <a:srgbClr val="FFFFFF"/>
+                </a:solidFill>
+                <a:latin typeface="SimSun" panose="02010600030101010101" pitchFamily="2" charset="-122"/>
+                <a:sym typeface="SimSun" panose="02010600030101010101" pitchFamily="2" charset="-122"/>
+              </a:endParaRPr>
+            </a:p>
+          </p:txBody>
+        </p:sp>
+        <p:pic>
+          <p:nvPicPr>
+            <p:cNvPr id="8" name="圖片 2"/>
+            <p:cNvPicPr>
+              <a:picLocks noChangeAspect="1"/>
+            </p:cNvPicPr>
+            <p:nvPr/>
+          </p:nvPicPr>
+          <p:blipFill>
+            <a:blip r:embed="rId3">
+              <a:extLst>
+                <a:ext uri="{28A0092B-C50C-407E-A947-70E740481C1C}">
+                  <a14:useLocalDpi xmlns:a14="http://schemas.microsoft.com/office/drawing/2010/main" val="0"/>
+                </a:ext>
+              </a:extLst>
+            </a:blip>
+            <a:srcRect/>
+            <a:stretch>
+              <a:fillRect/>
+            </a:stretch>
+          </p:blipFill>
+          <p:spPr bwMode="auto">
+            <a:xfrm>
+              <a:off x="2374900" y="2130425"/>
+              <a:ext cx="2201863" cy="2200275"/>
+            </a:xfrm>
+            <a:prstGeom prst="rect">
+              <a:avLst/>
+            </a:prstGeom>
+            <a:noFill/>
+            <a:ln>
+              <a:noFill/>
+            </a:ln>
+            <a:extLst>
+              <a:ext uri="{909E8E84-426E-40DD-AFC4-6F175D3DCCD1}">
+                <a14:hiddenFill xmlns:a14="http://schemas.microsoft.com/office/drawing/2010/main">
+                  <a:solidFill>
+                    <a:srgbClr val="FFFFFF"/>
+                  </a:solidFill>
+                </a14:hiddenFill>
+              </a:ext>
+              <a:ext uri="{91240B29-F687-4F45-9708-019B960494DF}">
+                <a14:hiddenLine xmlns:a14="http://schemas.microsoft.com/office/drawing/2010/main" w="9525">
+                  <a:solidFill>
+                    <a:srgbClr val="000000"/>
+                  </a:solidFill>
+                  <a:miter lim="800000"/>
+                  <a:headEnd/>
+                  <a:tailEnd/>
+                </a14:hiddenLine>
+              </a:ext>
+            </a:extLst>
+          </p:spPr>
+        </p:pic>
+      </p:grpSp>
+      <p:grpSp>
+        <p:nvGrpSpPr>
+          <p:cNvPr id="9" name="群組 8"/>
+          <p:cNvGrpSpPr/>
+          <p:nvPr/>
+        </p:nvGrpSpPr>
+        <p:grpSpPr>
+          <a:xfrm>
+            <a:off x="5963459" y="1229389"/>
+            <a:ext cx="1857850" cy="1818832"/>
+            <a:chOff x="7226300" y="1817688"/>
+            <a:chExt cx="2851150" cy="2776537"/>
+          </a:xfrm>
+        </p:grpSpPr>
+        <p:sp>
+          <p:nvSpPr>
+            <p:cNvPr id="10" name="椭圆 127"/>
+            <p:cNvSpPr>
+              <a:spLocks noChangeArrowheads="1"/>
+            </p:cNvSpPr>
+            <p:nvPr/>
+          </p:nvSpPr>
+          <p:spPr bwMode="auto">
+            <a:xfrm>
+              <a:off x="7226300" y="1817688"/>
+              <a:ext cx="2851150" cy="2776537"/>
+            </a:xfrm>
+            <a:prstGeom prst="ellipse">
+              <a:avLst/>
+            </a:prstGeom>
+            <a:solidFill>
+              <a:srgbClr val="DF4B59"/>
+            </a:solidFill>
+            <a:ln w="9525">
+              <a:solidFill>
+                <a:srgbClr val="A1BD70"/>
+              </a:solidFill>
+              <a:round/>
+              <a:headEnd/>
+              <a:tailEnd/>
+            </a:ln>
+          </p:spPr>
+          <p:txBody>
+            <a:bodyPr anchor="ctr"/>
+            <a:lstStyle>
+              <a:lvl1pPr>
+                <a:defRPr>
+                  <a:solidFill>
+                    <a:schemeClr val="tx1"/>
+                  </a:solidFill>
+                  <a:latin typeface="Arial" panose="020B0604020202020204" pitchFamily="34" charset="0"/>
+                  <a:ea typeface="SimSun" panose="02010600030101010101" pitchFamily="2" charset="-122"/>
+                </a:defRPr>
+              </a:lvl1pPr>
+              <a:lvl2pPr marL="742950" indent="-285750">
+                <a:defRPr>
+                  <a:solidFill>
+                    <a:schemeClr val="tx1"/>
+                  </a:solidFill>
+                  <a:latin typeface="Arial" panose="020B0604020202020204" pitchFamily="34" charset="0"/>
+                  <a:ea typeface="SimSun" panose="02010600030101010101" pitchFamily="2" charset="-122"/>
+                </a:defRPr>
+              </a:lvl2pPr>
+              <a:lvl3pPr marL="1143000" indent="-228600">
+                <a:defRPr>
+                  <a:solidFill>
+                    <a:schemeClr val="tx1"/>
+                  </a:solidFill>
+                  <a:latin typeface="Arial" panose="020B0604020202020204" pitchFamily="34" charset="0"/>
+                  <a:ea typeface="SimSun" panose="02010600030101010101" pitchFamily="2" charset="-122"/>
+                </a:defRPr>
+              </a:lvl3pPr>
+              <a:lvl4pPr marL="1600200" indent="-228600">
+                <a:defRPr>
+                  <a:solidFill>
+                    <a:schemeClr val="tx1"/>
+                  </a:solidFill>
+                  <a:latin typeface="Arial" panose="020B0604020202020204" pitchFamily="34" charset="0"/>
+                  <a:ea typeface="SimSun" panose="02010600030101010101" pitchFamily="2" charset="-122"/>
+                </a:defRPr>
+              </a:lvl4pPr>
+              <a:lvl5pPr marL="2057400" indent="-228600">
+                <a:defRPr>
+                  <a:solidFill>
+                    <a:schemeClr val="tx1"/>
+                  </a:solidFill>
+                  <a:latin typeface="Arial" panose="020B0604020202020204" pitchFamily="34" charset="0"/>
+                  <a:ea typeface="SimSun" panose="02010600030101010101" pitchFamily="2" charset="-122"/>
+                </a:defRPr>
+              </a:lvl5pPr>
+              <a:lvl6pPr marL="2514600" indent="-228600" eaLnBrk="0" fontAlgn="base" hangingPunct="0">
+                <a:spcBef>
+                  <a:spcPct val="0"/>
+                </a:spcBef>
+                <a:spcAft>
+                  <a:spcPct val="0"/>
+                </a:spcAft>
+                <a:defRPr>
+                  <a:solidFill>
+                    <a:schemeClr val="tx1"/>
+                  </a:solidFill>
+                  <a:latin typeface="Arial" panose="020B0604020202020204" pitchFamily="34" charset="0"/>
+                  <a:ea typeface="SimSun" panose="02010600030101010101" pitchFamily="2" charset="-122"/>
+                </a:defRPr>
+              </a:lvl6pPr>
+              <a:lvl7pPr marL="2971800" indent="-228600" eaLnBrk="0" fontAlgn="base" hangingPunct="0">
+                <a:spcBef>
+                  <a:spcPct val="0"/>
+                </a:spcBef>
+                <a:spcAft>
+                  <a:spcPct val="0"/>
+                </a:spcAft>
+                <a:defRPr>
+                  <a:solidFill>
+                    <a:schemeClr val="tx1"/>
+                  </a:solidFill>
+                  <a:latin typeface="Arial" panose="020B0604020202020204" pitchFamily="34" charset="0"/>
+                  <a:ea typeface="SimSun" panose="02010600030101010101" pitchFamily="2" charset="-122"/>
+                </a:defRPr>
+              </a:lvl7pPr>
+              <a:lvl8pPr marL="3429000" indent="-228600" eaLnBrk="0" fontAlgn="base" hangingPunct="0">
+                <a:spcBef>
+                  <a:spcPct val="0"/>
+                </a:spcBef>
+                <a:spcAft>
+                  <a:spcPct val="0"/>
+                </a:spcAft>
+                <a:defRPr>
+                  <a:solidFill>
+                    <a:schemeClr val="tx1"/>
+                  </a:solidFill>
+                  <a:latin typeface="Arial" panose="020B0604020202020204" pitchFamily="34" charset="0"/>
+                  <a:ea typeface="SimSun" panose="02010600030101010101" pitchFamily="2" charset="-122"/>
+                </a:defRPr>
+              </a:lvl8pPr>
+              <a:lvl9pPr marL="3886200" indent="-228600" eaLnBrk="0" fontAlgn="base" hangingPunct="0">
+                <a:spcBef>
+                  <a:spcPct val="0"/>
+                </a:spcBef>
+                <a:spcAft>
+                  <a:spcPct val="0"/>
+                </a:spcAft>
+                <a:defRPr>
+                  <a:solidFill>
+                    <a:schemeClr val="tx1"/>
+                  </a:solidFill>
+                  <a:latin typeface="Arial" panose="020B0604020202020204" pitchFamily="34" charset="0"/>
+                  <a:ea typeface="SimSun" panose="02010600030101010101" pitchFamily="2" charset="-122"/>
+                </a:defRPr>
+              </a:lvl9pPr>
+            </a:lstStyle>
+            <a:p>
+              <a:pPr algn="ctr"/>
+              <a:endParaRPr lang="zh-CN" altLang="zh-CN">
+                <a:solidFill>
+                  <a:srgbClr val="FFFFFF"/>
+                </a:solidFill>
+                <a:latin typeface="SimSun" panose="02010600030101010101" pitchFamily="2" charset="-122"/>
+                <a:sym typeface="SimSun" panose="02010600030101010101" pitchFamily="2" charset="-122"/>
+              </a:endParaRPr>
+            </a:p>
+          </p:txBody>
+        </p:sp>
+        <p:pic>
+          <p:nvPicPr>
+            <p:cNvPr id="11" name="圖片 27"/>
+            <p:cNvPicPr>
+              <a:picLocks noChangeAspect="1"/>
+            </p:cNvPicPr>
+            <p:nvPr/>
+          </p:nvPicPr>
+          <p:blipFill>
+            <a:blip r:embed="rId3">
+              <a:extLst>
+                <a:ext uri="{28A0092B-C50C-407E-A947-70E740481C1C}">
+                  <a14:useLocalDpi xmlns:a14="http://schemas.microsoft.com/office/drawing/2010/main" val="0"/>
+                </a:ext>
+              </a:extLst>
+            </a:blip>
+            <a:srcRect/>
+            <a:stretch>
+              <a:fillRect/>
+            </a:stretch>
+          </p:blipFill>
+          <p:spPr bwMode="auto">
+            <a:xfrm>
+              <a:off x="7564438" y="2071688"/>
+              <a:ext cx="2254250" cy="2254250"/>
+            </a:xfrm>
+            <a:prstGeom prst="rect">
+              <a:avLst/>
+            </a:prstGeom>
+            <a:noFill/>
+            <a:ln>
+              <a:noFill/>
+            </a:ln>
+            <a:extLst>
+              <a:ext uri="{909E8E84-426E-40DD-AFC4-6F175D3DCCD1}">
+                <a14:hiddenFill xmlns:a14="http://schemas.microsoft.com/office/drawing/2010/main">
+                  <a:solidFill>
+                    <a:srgbClr val="FFFFFF"/>
+                  </a:solidFill>
+                </a14:hiddenFill>
+              </a:ext>
+              <a:ext uri="{91240B29-F687-4F45-9708-019B960494DF}">
+                <a14:hiddenLine xmlns:a14="http://schemas.microsoft.com/office/drawing/2010/main" w="9525">
+                  <a:solidFill>
+                    <a:srgbClr val="000000"/>
+                  </a:solidFill>
+                  <a:miter lim="800000"/>
+                  <a:headEnd/>
+                  <a:tailEnd/>
+                </a14:hiddenLine>
+              </a:ext>
+            </a:extLst>
+          </p:spPr>
+        </p:pic>
+      </p:grpSp>
+      <p:pic>
+        <p:nvPicPr>
+          <p:cNvPr id="2" name="圖片 1"/>
+          <p:cNvPicPr>
+            <a:picLocks noChangeAspect="1"/>
+          </p:cNvPicPr>
+          <p:nvPr/>
+        </p:nvPicPr>
+        <p:blipFill>
+          <a:blip r:embed="rId4">
+            <a:extLst>
+              <a:ext uri="{28A0092B-C50C-407E-A947-70E740481C1C}">
+                <a14:useLocalDpi xmlns:a14="http://schemas.microsoft.com/office/drawing/2010/main" val="0"/>
+              </a:ext>
+            </a:extLst>
+          </a:blip>
+          <a:stretch>
+            <a:fillRect/>
+          </a:stretch>
+        </p:blipFill>
+        <p:spPr>
+          <a:xfrm>
+            <a:off x="2600943" y="2572991"/>
+            <a:ext cx="871958" cy="871958"/>
+          </a:xfrm>
+          <a:prstGeom prst="rect">
+            <a:avLst/>
+          </a:prstGeom>
+        </p:spPr>
+      </p:pic>
     </p:spTree>
   </p:cSld>
   <p:clrMapOvr>
     <a:masterClrMapping/>
   </p:clrMapOvr>
+  <p:timing>
+    <p:tnLst>
+      <p:par>
+        <p:cTn id="1" dur="indefinite" restart="never" nodeType="tmRoot"/>
+      </p:par>
+    </p:tnLst>
+  </p:timing>
 </p:sld>
 </file>
 
@@ -24411,8 +24930,8 @@
         </p:nvSpPr>
         <p:spPr>
           <a:xfrm>
-            <a:off x="469061" y="1462945"/>
-            <a:ext cx="3999900" cy="3416400"/>
+            <a:off x="2948574" y="1443617"/>
+            <a:ext cx="5238496" cy="3416400"/>
           </a:xfrm>
           <a:prstGeom prst="rect">
             <a:avLst/>
@@ -24503,52 +25022,71 @@
             </a:pPr>
             <a:r>
               <a:rPr lang="zh-TW" sz="1800" dirty="0"/>
-              <a:t>Get your foot in the door !</a:t>
+              <a:t>Get your foot in the door </a:t>
             </a:r>
-            <a:endParaRPr sz="1800" dirty="0"/>
+            <a:r>
+              <a:rPr lang="zh-TW" sz="1800" dirty="0" smtClean="0"/>
+              <a:t>!</a:t>
+            </a:r>
+            <a:endParaRPr lang="en-US" altLang="zh-TW" sz="1800" dirty="0"/>
           </a:p>
-        </p:txBody>
-      </p:sp>
-      <p:sp>
-        <p:nvSpPr>
-          <p:cNvPr id="247" name="Google Shape;247;p37"/>
-          <p:cNvSpPr txBox="1">
-            <a:spLocks noGrp="1"/>
-          </p:cNvSpPr>
-          <p:nvPr>
-            <p:ph type="body" idx="2"/>
-          </p:nvPr>
-        </p:nvSpPr>
-        <p:spPr>
-          <a:xfrm>
-            <a:off x="4116927" y="1462945"/>
-            <a:ext cx="4779168" cy="3416400"/>
-          </a:xfrm>
-          <a:prstGeom prst="rect">
-            <a:avLst/>
-          </a:prstGeom>
-        </p:spPr>
-        <p:txBody>
-          <a:bodyPr spcFirstLastPara="1" wrap="square" lIns="91425" tIns="91425" rIns="91425" bIns="91425" anchor="t" anchorCtr="0">
-            <a:noAutofit/>
-          </a:bodyPr>
-          <a:lstStyle/>
           <a:p>
-            <a:pPr marL="457200" lvl="0" indent="-342900" algn="l" rtl="0">
+            <a:pPr marL="596900" lvl="1" indent="0" algn="l" rtl="0">
               <a:spcBef>
                 <a:spcPts val="0"/>
               </a:spcBef>
               <a:spcAft>
                 <a:spcPts val="0"/>
               </a:spcAft>
+              <a:buSzPts val="1400"/>
+              <a:buNone/>
+            </a:pPr>
+            <a:endParaRPr lang="en-US" altLang="zh-TW" sz="1800" dirty="0" smtClean="0"/>
+          </a:p>
+          <a:p>
+            <a:pPr lvl="0" indent="-342900">
               <a:buSzPts val="1800"/>
-              <a:buChar char="●"/>
             </a:pPr>
             <a:r>
-              <a:rPr lang="zh-TW" sz="2400" dirty="0"/>
+              <a:rPr lang="en-US" altLang="zh-TW" sz="2400" dirty="0"/>
               <a:t>For banks:</a:t>
             </a:r>
-            <a:endParaRPr sz="2400" dirty="0"/>
+          </a:p>
+          <a:p>
+            <a:pPr lvl="1" indent="-317500">
+              <a:spcBef>
+                <a:spcPts val="0"/>
+              </a:spcBef>
+              <a:buSzPts val="1400"/>
+            </a:pPr>
+            <a:r>
+              <a:rPr lang="en-US" altLang="zh-TW" sz="1800" dirty="0"/>
+              <a:t>Attractive to user.</a:t>
+            </a:r>
+          </a:p>
+          <a:p>
+            <a:pPr lvl="1" indent="-317500">
+              <a:spcBef>
+                <a:spcPts val="0"/>
+              </a:spcBef>
+              <a:buSzPts val="1400"/>
+            </a:pPr>
+            <a:r>
+              <a:rPr lang="en-US" altLang="zh-TW" sz="1800" dirty="0"/>
+              <a:t>Reduce the cost.</a:t>
+            </a:r>
+          </a:p>
+          <a:p>
+            <a:pPr lvl="1" indent="-317500">
+              <a:spcBef>
+                <a:spcPts val="0"/>
+              </a:spcBef>
+              <a:buSzPts val="1400"/>
+            </a:pPr>
+            <a:r>
+              <a:rPr lang="en-US" altLang="zh-TW" sz="1800" dirty="0"/>
+              <a:t>Benefit to running a comprehensive KYC.</a:t>
+            </a:r>
           </a:p>
           <a:p>
             <a:pPr marL="914400" lvl="1" indent="-317500" algn="l" rtl="0">
@@ -24561,81 +25099,7 @@
               <a:buSzPts val="1400"/>
               <a:buChar char="○"/>
             </a:pPr>
-            <a:r>
-              <a:rPr lang="zh-TW" sz="1800" dirty="0"/>
-              <a:t>Attractive to </a:t>
-            </a:r>
-            <a:r>
-              <a:rPr lang="zh-TW" sz="1800" dirty="0" smtClean="0"/>
-              <a:t>user</a:t>
-            </a:r>
-            <a:r>
-              <a:rPr lang="en-US" altLang="zh-TW" sz="1800" dirty="0" smtClean="0"/>
-              <a:t>.</a:t>
-            </a:r>
             <a:endParaRPr sz="1800" dirty="0"/>
-          </a:p>
-          <a:p>
-            <a:pPr marL="914400" lvl="1" indent="-317500" algn="l" rtl="0">
-              <a:spcBef>
-                <a:spcPts val="0"/>
-              </a:spcBef>
-              <a:spcAft>
-                <a:spcPts val="0"/>
-              </a:spcAft>
-              <a:buSzPts val="1400"/>
-              <a:buChar char="○"/>
-            </a:pPr>
-            <a:r>
-              <a:rPr lang="zh-TW" sz="1800" dirty="0"/>
-              <a:t>Reduce the </a:t>
-            </a:r>
-            <a:r>
-              <a:rPr lang="zh-TW" sz="1800" dirty="0" smtClean="0"/>
-              <a:t>cost</a:t>
-            </a:r>
-            <a:r>
-              <a:rPr lang="en-US" altLang="zh-TW" sz="1800" dirty="0" smtClean="0"/>
-              <a:t>.</a:t>
-            </a:r>
-            <a:endParaRPr sz="1800" dirty="0"/>
-          </a:p>
-          <a:p>
-            <a:pPr marL="914400" lvl="1" indent="-317500" algn="l" rtl="0">
-              <a:spcBef>
-                <a:spcPts val="0"/>
-              </a:spcBef>
-              <a:spcAft>
-                <a:spcPts val="0"/>
-              </a:spcAft>
-              <a:buSzPts val="1400"/>
-              <a:buChar char="○"/>
-            </a:pPr>
-            <a:r>
-              <a:rPr lang="zh-TW" sz="1800" dirty="0"/>
-              <a:t>Benefit to running a comprehensive </a:t>
-            </a:r>
-            <a:r>
-              <a:rPr lang="zh-TW" sz="1800" dirty="0" smtClean="0"/>
-              <a:t>KYC</a:t>
-            </a:r>
-            <a:r>
-              <a:rPr lang="en-US" altLang="zh-TW" sz="1800" dirty="0" smtClean="0"/>
-              <a:t>.</a:t>
-            </a:r>
-            <a:endParaRPr sz="1800" dirty="0"/>
-          </a:p>
-          <a:p>
-            <a:pPr marL="0" lvl="0" indent="0" algn="l" rtl="0">
-              <a:spcBef>
-                <a:spcPts val="1600"/>
-              </a:spcBef>
-              <a:spcAft>
-                <a:spcPts val="1600"/>
-              </a:spcAft>
-              <a:buNone/>
-            </a:pPr>
-            <a:endParaRPr dirty="0"/>
           </a:p>
         </p:txBody>
       </p:sp>
@@ -24677,11 +25141,48 @@
           </a:p>
         </p:txBody>
       </p:sp>
+      <p:pic>
+        <p:nvPicPr>
+          <p:cNvPr id="3" name="圖片 2"/>
+          <p:cNvPicPr>
+            <a:picLocks noChangeAspect="1"/>
+          </p:cNvPicPr>
+          <p:nvPr/>
+        </p:nvPicPr>
+        <p:blipFill>
+          <a:blip r:embed="rId3">
+            <a:extLst>
+              <a:ext uri="{28A0092B-C50C-407E-A947-70E740481C1C}">
+                <a14:useLocalDpi xmlns:a14="http://schemas.microsoft.com/office/drawing/2010/main" val="0"/>
+              </a:ext>
+            </a:extLst>
+          </a:blip>
+          <a:stretch>
+            <a:fillRect/>
+          </a:stretch>
+        </p:blipFill>
+        <p:spPr>
+          <a:xfrm>
+            <a:off x="429556" y="2271114"/>
+            <a:ext cx="2972863" cy="2972863"/>
+          </a:xfrm>
+          <a:prstGeom prst="rect">
+            <a:avLst/>
+          </a:prstGeom>
+        </p:spPr>
+      </p:pic>
     </p:spTree>
   </p:cSld>
   <p:clrMapOvr>
     <a:masterClrMapping/>
   </p:clrMapOvr>
+  <p:timing>
+    <p:tnLst>
+      <p:par>
+        <p:cTn id="1" dur="indefinite" restart="never" nodeType="tmRoot"/>
+      </p:par>
+    </p:tnLst>
+  </p:timing>
 </p:sld>
 </file>
 
@@ -24945,6 +25446,13 @@
   <p:clrMapOvr>
     <a:masterClrMapping/>
   </p:clrMapOvr>
+  <p:timing>
+    <p:tnLst>
+      <p:par>
+        <p:cTn id="1" dur="indefinite" restart="never" nodeType="tmRoot"/>
+      </p:par>
+    </p:tnLst>
+  </p:timing>
 </p:sld>
 </file>
 
@@ -25142,11 +25650,48 @@
           </a:p>
         </p:txBody>
       </p:sp>
+      <p:pic>
+        <p:nvPicPr>
+          <p:cNvPr id="2" name="圖片 1"/>
+          <p:cNvPicPr>
+            <a:picLocks noChangeAspect="1"/>
+          </p:cNvPicPr>
+          <p:nvPr/>
+        </p:nvPicPr>
+        <p:blipFill>
+          <a:blip r:embed="rId4">
+            <a:extLst>
+              <a:ext uri="{28A0092B-C50C-407E-A947-70E740481C1C}">
+                <a14:useLocalDpi xmlns:a14="http://schemas.microsoft.com/office/drawing/2010/main" val="0"/>
+              </a:ext>
+            </a:extLst>
+          </a:blip>
+          <a:stretch>
+            <a:fillRect/>
+          </a:stretch>
+        </p:blipFill>
+        <p:spPr>
+          <a:xfrm>
+            <a:off x="1776894" y="556957"/>
+            <a:ext cx="833681" cy="833681"/>
+          </a:xfrm>
+          <a:prstGeom prst="rect">
+            <a:avLst/>
+          </a:prstGeom>
+        </p:spPr>
+      </p:pic>
     </p:spTree>
   </p:cSld>
   <p:clrMapOvr>
     <a:masterClrMapping/>
   </p:clrMapOvr>
+  <p:timing>
+    <p:tnLst>
+      <p:par>
+        <p:cTn id="1" dur="indefinite" restart="never" nodeType="tmRoot"/>
+      </p:par>
+    </p:tnLst>
+  </p:timing>
 </p:sld>
 </file>
 
@@ -25377,11 +25922,48 @@
           </a:p>
         </p:txBody>
       </p:sp>
+      <p:pic>
+        <p:nvPicPr>
+          <p:cNvPr id="7" name="圖片 6"/>
+          <p:cNvPicPr>
+            <a:picLocks noChangeAspect="1"/>
+          </p:cNvPicPr>
+          <p:nvPr/>
+        </p:nvPicPr>
+        <p:blipFill>
+          <a:blip r:embed="rId5">
+            <a:extLst>
+              <a:ext uri="{28A0092B-C50C-407E-A947-70E740481C1C}">
+                <a14:useLocalDpi xmlns:a14="http://schemas.microsoft.com/office/drawing/2010/main" val="0"/>
+              </a:ext>
+            </a:extLst>
+          </a:blip>
+          <a:stretch>
+            <a:fillRect/>
+          </a:stretch>
+        </p:blipFill>
+        <p:spPr>
+          <a:xfrm>
+            <a:off x="1776894" y="556957"/>
+            <a:ext cx="833681" cy="833681"/>
+          </a:xfrm>
+          <a:prstGeom prst="rect">
+            <a:avLst/>
+          </a:prstGeom>
+        </p:spPr>
+      </p:pic>
     </p:spTree>
   </p:cSld>
   <p:clrMapOvr>
     <a:masterClrMapping/>
   </p:clrMapOvr>
+  <p:timing>
+    <p:tnLst>
+      <p:par>
+        <p:cTn id="1" dur="indefinite" restart="never" nodeType="tmRoot"/>
+      </p:par>
+    </p:tnLst>
+  </p:timing>
 </p:sld>
 </file>
 
@@ -25468,7 +26050,7 @@
             </a:pPr>
             <a:r>
               <a:rPr lang="en-US" altLang="zh-TW" dirty="0" smtClean="0"/>
-              <a:t>Julia Demo</a:t>
+              <a:t>Julia</a:t>
             </a:r>
             <a:endParaRPr dirty="0"/>
           </a:p>
@@ -25550,11 +26132,48 @@
           </a:p>
         </p:txBody>
       </p:sp>
+      <p:pic>
+        <p:nvPicPr>
+          <p:cNvPr id="6" name="圖片 5"/>
+          <p:cNvPicPr>
+            <a:picLocks noChangeAspect="1"/>
+          </p:cNvPicPr>
+          <p:nvPr/>
+        </p:nvPicPr>
+        <p:blipFill>
+          <a:blip r:embed="rId5">
+            <a:extLst>
+              <a:ext uri="{28A0092B-C50C-407E-A947-70E740481C1C}">
+                <a14:useLocalDpi xmlns:a14="http://schemas.microsoft.com/office/drawing/2010/main" val="0"/>
+              </a:ext>
+            </a:extLst>
+          </a:blip>
+          <a:stretch>
+            <a:fillRect/>
+          </a:stretch>
+        </p:blipFill>
+        <p:spPr>
+          <a:xfrm>
+            <a:off x="1793347" y="499908"/>
+            <a:ext cx="833681" cy="833681"/>
+          </a:xfrm>
+          <a:prstGeom prst="rect">
+            <a:avLst/>
+          </a:prstGeom>
+        </p:spPr>
+      </p:pic>
     </p:spTree>
   </p:cSld>
   <p:clrMapOvr>
     <a:masterClrMapping/>
   </p:clrMapOvr>
+  <p:timing>
+    <p:tnLst>
+      <p:par>
+        <p:cTn id="1" dur="indefinite" restart="never" nodeType="tmRoot"/>
+      </p:par>
+    </p:tnLst>
+  </p:timing>
 </p:sld>
 </file>
 
@@ -25780,6 +26399,13 @@
   <p:clrMapOvr>
     <a:masterClrMapping/>
   </p:clrMapOvr>
+  <p:timing>
+    <p:tnLst>
+      <p:par>
+        <p:cTn id="1" dur="indefinite" restart="never" nodeType="tmRoot"/>
+      </p:par>
+    </p:tnLst>
+  </p:timing>
 </p:sld>
 </file>
 
@@ -26120,6 +26746,13 @@
   <p:clrMapOvr>
     <a:masterClrMapping/>
   </p:clrMapOvr>
+  <p:timing>
+    <p:tnLst>
+      <p:par>
+        <p:cTn id="1" dur="indefinite" restart="never" nodeType="tmRoot"/>
+      </p:par>
+    </p:tnLst>
+  </p:timing>
 </p:sld>
 </file>
 
@@ -26832,6 +27465,13 @@
   <p:clrMapOvr>
     <a:masterClrMapping/>
   </p:clrMapOvr>
+  <p:timing>
+    <p:tnLst>
+      <p:par>
+        <p:cTn id="1" dur="indefinite" restart="never" nodeType="tmRoot"/>
+      </p:par>
+    </p:tnLst>
+  </p:timing>
 </p:sld>
 </file>
 
@@ -27026,6 +27666,13 @@
   <p:clrMapOvr>
     <a:masterClrMapping/>
   </p:clrMapOvr>
+  <p:timing>
+    <p:tnLst>
+      <p:par>
+        <p:cTn id="1" dur="indefinite" restart="never" nodeType="tmRoot"/>
+      </p:par>
+    </p:tnLst>
+  </p:timing>
 </p:sld>
 </file>
 
@@ -27235,6 +27882,13 @@
   <p:clrMapOvr>
     <a:masterClrMapping/>
   </p:clrMapOvr>
+  <p:timing>
+    <p:tnLst>
+      <p:par>
+        <p:cTn id="1" dur="indefinite" restart="never" nodeType="tmRoot"/>
+      </p:par>
+    </p:tnLst>
+  </p:timing>
 </p:sld>
 </file>
 
@@ -27461,6 +28115,13 @@
   <p:clrMapOvr>
     <a:masterClrMapping/>
   </p:clrMapOvr>
+  <p:timing>
+    <p:tnLst>
+      <p:par>
+        <p:cTn id="1" dur="indefinite" restart="never" nodeType="tmRoot"/>
+      </p:par>
+    </p:tnLst>
+  </p:timing>
 </p:sld>
 </file>
 
@@ -27859,6 +28520,13 @@
   <p:clrMapOvr>
     <a:masterClrMapping/>
   </p:clrMapOvr>
+  <p:timing>
+    <p:tnLst>
+      <p:par>
+        <p:cTn id="1" dur="indefinite" restart="never" nodeType="tmRoot"/>
+      </p:par>
+    </p:tnLst>
+  </p:timing>
 </p:sld>
 </file>
 
@@ -27938,7 +28606,7 @@
         </p:nvSpPr>
         <p:spPr>
           <a:xfrm>
-            <a:off x="342525" y="1379232"/>
+            <a:off x="373350" y="1443617"/>
             <a:ext cx="3999900" cy="3416400"/>
           </a:xfrm>
           <a:prstGeom prst="rect">
@@ -27999,7 +28667,7 @@
         </p:nvSpPr>
         <p:spPr>
           <a:xfrm>
-            <a:off x="4746908" y="1311183"/>
+            <a:off x="4720150" y="1051749"/>
             <a:ext cx="3999900" cy="3416400"/>
           </a:xfrm>
           <a:prstGeom prst="rect">
@@ -28013,6 +28681,9 @@
           <a:lstStyle/>
           <a:p>
             <a:pPr marL="457200" lvl="0" indent="-317500" algn="l" rtl="0">
+              <a:lnSpc>
+                <a:spcPct val="100000"/>
+              </a:lnSpc>
               <a:spcBef>
                 <a:spcPts val="0"/>
               </a:spcBef>
@@ -28030,6 +28701,9 @@
           </a:p>
           <a:p>
             <a:pPr marL="457200" lvl="0" indent="-317500" algn="l" rtl="0">
+              <a:lnSpc>
+                <a:spcPct val="100000"/>
+              </a:lnSpc>
               <a:spcBef>
                 <a:spcPts val="0"/>
               </a:spcBef>
@@ -28146,6 +28820,13 @@
   <p:clrMapOvr>
     <a:masterClrMapping/>
   </p:clrMapOvr>
+  <p:timing>
+    <p:tnLst>
+      <p:par>
+        <p:cTn id="1" dur="indefinite" restart="never" nodeType="tmRoot"/>
+      </p:par>
+    </p:tnLst>
+  </p:timing>
 </p:sld>
 </file>
 
